--- a/PPT SKRIPSI MILANAFSAH DZAHIRA.pptx
+++ b/PPT SKRIPSI MILANAFSAH DZAHIRA.pptx
@@ -312,7 +312,7 @@
           <a:p>
             <a:fld id="{0ABE214A-5341-4608-A98C-93D915A60410}" type="datetimeFigureOut">
               <a:rPr lang="en-US" smtClean="0"/>
-              <a:t>9/5/2023</a:t>
+              <a:t>9/17/2023</a:t>
             </a:fld>
             <a:endParaRPr lang="en-US"/>
           </a:p>
@@ -510,7 +510,7 @@
           <a:p>
             <a:fld id="{0ABE214A-5341-4608-A98C-93D915A60410}" type="datetimeFigureOut">
               <a:rPr lang="en-US" smtClean="0"/>
-              <a:t>9/5/2023</a:t>
+              <a:t>9/17/2023</a:t>
             </a:fld>
             <a:endParaRPr lang="en-US"/>
           </a:p>
@@ -718,7 +718,7 @@
           <a:p>
             <a:fld id="{0ABE214A-5341-4608-A98C-93D915A60410}" type="datetimeFigureOut">
               <a:rPr lang="en-US" smtClean="0"/>
-              <a:t>9/5/2023</a:t>
+              <a:t>9/17/2023</a:t>
             </a:fld>
             <a:endParaRPr lang="en-US"/>
           </a:p>
@@ -916,7 +916,7 @@
           <a:p>
             <a:fld id="{0ABE214A-5341-4608-A98C-93D915A60410}" type="datetimeFigureOut">
               <a:rPr lang="en-US" smtClean="0"/>
-              <a:t>9/5/2023</a:t>
+              <a:t>9/17/2023</a:t>
             </a:fld>
             <a:endParaRPr lang="en-US"/>
           </a:p>
@@ -1191,7 +1191,7 @@
           <a:p>
             <a:fld id="{0ABE214A-5341-4608-A98C-93D915A60410}" type="datetimeFigureOut">
               <a:rPr lang="en-US" smtClean="0"/>
-              <a:t>9/5/2023</a:t>
+              <a:t>9/17/2023</a:t>
             </a:fld>
             <a:endParaRPr lang="en-US"/>
           </a:p>
@@ -1456,7 +1456,7 @@
           <a:p>
             <a:fld id="{0ABE214A-5341-4608-A98C-93D915A60410}" type="datetimeFigureOut">
               <a:rPr lang="en-US" smtClean="0"/>
-              <a:t>9/5/2023</a:t>
+              <a:t>9/17/2023</a:t>
             </a:fld>
             <a:endParaRPr lang="en-US"/>
           </a:p>
@@ -1868,7 +1868,7 @@
           <a:p>
             <a:fld id="{0ABE214A-5341-4608-A98C-93D915A60410}" type="datetimeFigureOut">
               <a:rPr lang="en-US" smtClean="0"/>
-              <a:t>9/5/2023</a:t>
+              <a:t>9/17/2023</a:t>
             </a:fld>
             <a:endParaRPr lang="en-US"/>
           </a:p>
@@ -2009,7 +2009,7 @@
           <a:p>
             <a:fld id="{0ABE214A-5341-4608-A98C-93D915A60410}" type="datetimeFigureOut">
               <a:rPr lang="en-US" smtClean="0"/>
-              <a:t>9/5/2023</a:t>
+              <a:t>9/17/2023</a:t>
             </a:fld>
             <a:endParaRPr lang="en-US"/>
           </a:p>
@@ -2122,7 +2122,7 @@
           <a:p>
             <a:fld id="{0ABE214A-5341-4608-A98C-93D915A60410}" type="datetimeFigureOut">
               <a:rPr lang="en-US" smtClean="0"/>
-              <a:t>9/5/2023</a:t>
+              <a:t>9/17/2023</a:t>
             </a:fld>
             <a:endParaRPr lang="en-US"/>
           </a:p>
@@ -2433,7 +2433,7 @@
           <a:p>
             <a:fld id="{0ABE214A-5341-4608-A98C-93D915A60410}" type="datetimeFigureOut">
               <a:rPr lang="en-US" smtClean="0"/>
-              <a:t>9/5/2023</a:t>
+              <a:t>9/17/2023</a:t>
             </a:fld>
             <a:endParaRPr lang="en-US"/>
           </a:p>
@@ -2721,7 +2721,7 @@
           <a:p>
             <a:fld id="{0ABE214A-5341-4608-A98C-93D915A60410}" type="datetimeFigureOut">
               <a:rPr lang="en-US" smtClean="0"/>
-              <a:t>9/5/2023</a:t>
+              <a:t>9/17/2023</a:t>
             </a:fld>
             <a:endParaRPr lang="en-US"/>
           </a:p>
@@ -2962,7 +2962,7 @@
           <a:p>
             <a:fld id="{0ABE214A-5341-4608-A98C-93D915A60410}" type="datetimeFigureOut">
               <a:rPr lang="en-US" smtClean="0"/>
-              <a:t>9/5/2023</a:t>
+              <a:t>9/17/2023</a:t>
             </a:fld>
             <a:endParaRPr lang="en-US"/>
           </a:p>
